--- a/assets/Thumbnail.pptx
+++ b/assets/Thumbnail.pptx
@@ -8,6 +8,7 @@
     <p:sldId id="256" r:id="rId2"/>
     <p:sldId id="257" r:id="rId3"/>
     <p:sldId id="259" r:id="rId4"/>
+    <p:sldId id="260" r:id="rId5"/>
   </p:sldIdLst>
   <p:sldSz cx="12192000" cy="6858000"/>
   <p:notesSz cx="6858000" cy="9144000"/>
@@ -245,7 +246,7 @@
           <a:p>
             <a:fld id="{FC9A849D-34E6-4372-B7B3-082196D3BAC1}" type="datetimeFigureOut">
               <a:rPr lang="en-PH" smtClean="0"/>
-              <a:t>09/07/2024</a:t>
+              <a:t>11/07/2024</a:t>
             </a:fld>
             <a:endParaRPr lang="en-PH"/>
           </a:p>
@@ -415,7 +416,7 @@
           <a:p>
             <a:fld id="{FC9A849D-34E6-4372-B7B3-082196D3BAC1}" type="datetimeFigureOut">
               <a:rPr lang="en-PH" smtClean="0"/>
-              <a:t>09/07/2024</a:t>
+              <a:t>11/07/2024</a:t>
             </a:fld>
             <a:endParaRPr lang="en-PH"/>
           </a:p>
@@ -595,7 +596,7 @@
           <a:p>
             <a:fld id="{FC9A849D-34E6-4372-B7B3-082196D3BAC1}" type="datetimeFigureOut">
               <a:rPr lang="en-PH" smtClean="0"/>
-              <a:t>09/07/2024</a:t>
+              <a:t>11/07/2024</a:t>
             </a:fld>
             <a:endParaRPr lang="en-PH"/>
           </a:p>
@@ -765,7 +766,7 @@
           <a:p>
             <a:fld id="{FC9A849D-34E6-4372-B7B3-082196D3BAC1}" type="datetimeFigureOut">
               <a:rPr lang="en-PH" smtClean="0"/>
-              <a:t>09/07/2024</a:t>
+              <a:t>11/07/2024</a:t>
             </a:fld>
             <a:endParaRPr lang="en-PH"/>
           </a:p>
@@ -1011,7 +1012,7 @@
           <a:p>
             <a:fld id="{FC9A849D-34E6-4372-B7B3-082196D3BAC1}" type="datetimeFigureOut">
               <a:rPr lang="en-PH" smtClean="0"/>
-              <a:t>09/07/2024</a:t>
+              <a:t>11/07/2024</a:t>
             </a:fld>
             <a:endParaRPr lang="en-PH"/>
           </a:p>
@@ -1243,7 +1244,7 @@
           <a:p>
             <a:fld id="{FC9A849D-34E6-4372-B7B3-082196D3BAC1}" type="datetimeFigureOut">
               <a:rPr lang="en-PH" smtClean="0"/>
-              <a:t>09/07/2024</a:t>
+              <a:t>11/07/2024</a:t>
             </a:fld>
             <a:endParaRPr lang="en-PH"/>
           </a:p>
@@ -1610,7 +1611,7 @@
           <a:p>
             <a:fld id="{FC9A849D-34E6-4372-B7B3-082196D3BAC1}" type="datetimeFigureOut">
               <a:rPr lang="en-PH" smtClean="0"/>
-              <a:t>09/07/2024</a:t>
+              <a:t>11/07/2024</a:t>
             </a:fld>
             <a:endParaRPr lang="en-PH"/>
           </a:p>
@@ -1728,7 +1729,7 @@
           <a:p>
             <a:fld id="{FC9A849D-34E6-4372-B7B3-082196D3BAC1}" type="datetimeFigureOut">
               <a:rPr lang="en-PH" smtClean="0"/>
-              <a:t>09/07/2024</a:t>
+              <a:t>11/07/2024</a:t>
             </a:fld>
             <a:endParaRPr lang="en-PH"/>
           </a:p>
@@ -1823,7 +1824,7 @@
           <a:p>
             <a:fld id="{FC9A849D-34E6-4372-B7B3-082196D3BAC1}" type="datetimeFigureOut">
               <a:rPr lang="en-PH" smtClean="0"/>
-              <a:t>09/07/2024</a:t>
+              <a:t>11/07/2024</a:t>
             </a:fld>
             <a:endParaRPr lang="en-PH"/>
           </a:p>
@@ -2100,7 +2101,7 @@
           <a:p>
             <a:fld id="{FC9A849D-34E6-4372-B7B3-082196D3BAC1}" type="datetimeFigureOut">
               <a:rPr lang="en-PH" smtClean="0"/>
-              <a:t>09/07/2024</a:t>
+              <a:t>11/07/2024</a:t>
             </a:fld>
             <a:endParaRPr lang="en-PH"/>
           </a:p>
@@ -2353,7 +2354,7 @@
           <a:p>
             <a:fld id="{FC9A849D-34E6-4372-B7B3-082196D3BAC1}" type="datetimeFigureOut">
               <a:rPr lang="en-PH" smtClean="0"/>
-              <a:t>09/07/2024</a:t>
+              <a:t>11/07/2024</a:t>
             </a:fld>
             <a:endParaRPr lang="en-PH"/>
           </a:p>
@@ -2566,7 +2567,7 @@
           <a:p>
             <a:fld id="{FC9A849D-34E6-4372-B7B3-082196D3BAC1}" type="datetimeFigureOut">
               <a:rPr lang="en-PH" smtClean="0"/>
-              <a:t>09/07/2024</a:t>
+              <a:t>11/07/2024</a:t>
             </a:fld>
             <a:endParaRPr lang="en-PH"/>
           </a:p>
@@ -3136,6 +3137,74 @@
 </p:sld>
 </file>
 
+<file path=ppt/slides/slide4.xml><?xml version="1.0" encoding="utf-8"?>
+<p:sld xmlns:a="http://schemas.openxmlformats.org/drawingml/2006/main" xmlns:r="http://schemas.openxmlformats.org/officeDocument/2006/relationships" xmlns:p="http://schemas.openxmlformats.org/presentationml/2006/main">
+  <p:cSld>
+    <p:bg>
+      <p:bgPr>
+        <a:solidFill>
+          <a:srgbClr val="343434"/>
+        </a:solidFill>
+        <a:effectLst/>
+      </p:bgPr>
+    </p:bg>
+    <p:spTree>
+      <p:nvGrpSpPr>
+        <p:cNvPr id="1" name=""/>
+        <p:cNvGrpSpPr/>
+        <p:nvPr/>
+      </p:nvGrpSpPr>
+      <p:grpSpPr>
+        <a:xfrm>
+          <a:off x="0" y="0"/>
+          <a:ext cx="0" cy="0"/>
+          <a:chOff x="0" y="0"/>
+          <a:chExt cx="0" cy="0"/>
+        </a:xfrm>
+      </p:grpSpPr>
+      <p:pic>
+        <p:nvPicPr>
+          <p:cNvPr id="2" name="Picture 1"/>
+          <p:cNvPicPr>
+            <a:picLocks noChangeAspect="1"/>
+          </p:cNvPicPr>
+          <p:nvPr/>
+        </p:nvPicPr>
+        <p:blipFill>
+          <a:blip r:embed="rId2">
+            <a:extLst>
+              <a:ext uri="{28A0092B-C50C-407E-A947-70E740481C1C}">
+                <a14:useLocalDpi xmlns:a14="http://schemas.microsoft.com/office/drawing/2010/main" val="0"/>
+              </a:ext>
+            </a:extLst>
+          </a:blip>
+          <a:stretch>
+            <a:fillRect/>
+          </a:stretch>
+        </p:blipFill>
+        <p:spPr>
+          <a:xfrm>
+            <a:off x="285749" y="260337"/>
+            <a:ext cx="11601449" cy="6336514"/>
+          </a:xfrm>
+          <a:prstGeom prst="rect">
+            <a:avLst/>
+          </a:prstGeom>
+        </p:spPr>
+      </p:pic>
+    </p:spTree>
+    <p:extLst>
+      <p:ext uri="{BB962C8B-B14F-4D97-AF65-F5344CB8AC3E}">
+        <p14:creationId xmlns:p14="http://schemas.microsoft.com/office/powerpoint/2010/main" val="4033817004"/>
+      </p:ext>
+    </p:extLst>
+  </p:cSld>
+  <p:clrMapOvr>
+    <a:masterClrMapping/>
+  </p:clrMapOvr>
+</p:sld>
+</file>
+
 <file path=ppt/theme/theme1.xml><?xml version="1.0" encoding="utf-8"?>
 <a:theme xmlns:a="http://schemas.openxmlformats.org/drawingml/2006/main" name="Office Theme">
   <a:themeElements>

--- a/assets/Thumbnail.pptx
+++ b/assets/Thumbnail.pptx
@@ -9,6 +9,7 @@
     <p:sldId id="257" r:id="rId3"/>
     <p:sldId id="259" r:id="rId4"/>
     <p:sldId id="260" r:id="rId5"/>
+    <p:sldId id="261" r:id="rId6"/>
   </p:sldIdLst>
   <p:sldSz cx="12192000" cy="6858000"/>
   <p:notesSz cx="6858000" cy="9144000"/>
@@ -246,7 +247,7 @@
           <a:p>
             <a:fld id="{FC9A849D-34E6-4372-B7B3-082196D3BAC1}" type="datetimeFigureOut">
               <a:rPr lang="en-PH" smtClean="0"/>
-              <a:t>11/07/2024</a:t>
+              <a:t>21/07/2024</a:t>
             </a:fld>
             <a:endParaRPr lang="en-PH"/>
           </a:p>
@@ -416,7 +417,7 @@
           <a:p>
             <a:fld id="{FC9A849D-34E6-4372-B7B3-082196D3BAC1}" type="datetimeFigureOut">
               <a:rPr lang="en-PH" smtClean="0"/>
-              <a:t>11/07/2024</a:t>
+              <a:t>21/07/2024</a:t>
             </a:fld>
             <a:endParaRPr lang="en-PH"/>
           </a:p>
@@ -596,7 +597,7 @@
           <a:p>
             <a:fld id="{FC9A849D-34E6-4372-B7B3-082196D3BAC1}" type="datetimeFigureOut">
               <a:rPr lang="en-PH" smtClean="0"/>
-              <a:t>11/07/2024</a:t>
+              <a:t>21/07/2024</a:t>
             </a:fld>
             <a:endParaRPr lang="en-PH"/>
           </a:p>
@@ -766,7 +767,7 @@
           <a:p>
             <a:fld id="{FC9A849D-34E6-4372-B7B3-082196D3BAC1}" type="datetimeFigureOut">
               <a:rPr lang="en-PH" smtClean="0"/>
-              <a:t>11/07/2024</a:t>
+              <a:t>21/07/2024</a:t>
             </a:fld>
             <a:endParaRPr lang="en-PH"/>
           </a:p>
@@ -1012,7 +1013,7 @@
           <a:p>
             <a:fld id="{FC9A849D-34E6-4372-B7B3-082196D3BAC1}" type="datetimeFigureOut">
               <a:rPr lang="en-PH" smtClean="0"/>
-              <a:t>11/07/2024</a:t>
+              <a:t>21/07/2024</a:t>
             </a:fld>
             <a:endParaRPr lang="en-PH"/>
           </a:p>
@@ -1244,7 +1245,7 @@
           <a:p>
             <a:fld id="{FC9A849D-34E6-4372-B7B3-082196D3BAC1}" type="datetimeFigureOut">
               <a:rPr lang="en-PH" smtClean="0"/>
-              <a:t>11/07/2024</a:t>
+              <a:t>21/07/2024</a:t>
             </a:fld>
             <a:endParaRPr lang="en-PH"/>
           </a:p>
@@ -1611,7 +1612,7 @@
           <a:p>
             <a:fld id="{FC9A849D-34E6-4372-B7B3-082196D3BAC1}" type="datetimeFigureOut">
               <a:rPr lang="en-PH" smtClean="0"/>
-              <a:t>11/07/2024</a:t>
+              <a:t>21/07/2024</a:t>
             </a:fld>
             <a:endParaRPr lang="en-PH"/>
           </a:p>
@@ -1729,7 +1730,7 @@
           <a:p>
             <a:fld id="{FC9A849D-34E6-4372-B7B3-082196D3BAC1}" type="datetimeFigureOut">
               <a:rPr lang="en-PH" smtClean="0"/>
-              <a:t>11/07/2024</a:t>
+              <a:t>21/07/2024</a:t>
             </a:fld>
             <a:endParaRPr lang="en-PH"/>
           </a:p>
@@ -1824,7 +1825,7 @@
           <a:p>
             <a:fld id="{FC9A849D-34E6-4372-B7B3-082196D3BAC1}" type="datetimeFigureOut">
               <a:rPr lang="en-PH" smtClean="0"/>
-              <a:t>11/07/2024</a:t>
+              <a:t>21/07/2024</a:t>
             </a:fld>
             <a:endParaRPr lang="en-PH"/>
           </a:p>
@@ -2101,7 +2102,7 @@
           <a:p>
             <a:fld id="{FC9A849D-34E6-4372-B7B3-082196D3BAC1}" type="datetimeFigureOut">
               <a:rPr lang="en-PH" smtClean="0"/>
-              <a:t>11/07/2024</a:t>
+              <a:t>21/07/2024</a:t>
             </a:fld>
             <a:endParaRPr lang="en-PH"/>
           </a:p>
@@ -2354,7 +2355,7 @@
           <a:p>
             <a:fld id="{FC9A849D-34E6-4372-B7B3-082196D3BAC1}" type="datetimeFigureOut">
               <a:rPr lang="en-PH" smtClean="0"/>
-              <a:t>11/07/2024</a:t>
+              <a:t>21/07/2024</a:t>
             </a:fld>
             <a:endParaRPr lang="en-PH"/>
           </a:p>
@@ -2567,7 +2568,7 @@
           <a:p>
             <a:fld id="{FC9A849D-34E6-4372-B7B3-082196D3BAC1}" type="datetimeFigureOut">
               <a:rPr lang="en-PH" smtClean="0"/>
-              <a:t>11/07/2024</a:t>
+              <a:t>21/07/2024</a:t>
             </a:fld>
             <a:endParaRPr lang="en-PH"/>
           </a:p>
@@ -3205,6 +3206,68 @@
 </p:sld>
 </file>
 
+<file path=ppt/slides/slide5.xml><?xml version="1.0" encoding="utf-8"?>
+<p:sld xmlns:a="http://schemas.openxmlformats.org/drawingml/2006/main" xmlns:r="http://schemas.openxmlformats.org/officeDocument/2006/relationships" xmlns:p="http://schemas.openxmlformats.org/presentationml/2006/main">
+  <p:cSld>
+    <p:bg>
+      <p:bgPr>
+        <a:solidFill>
+          <a:srgbClr val="343434"/>
+        </a:solidFill>
+        <a:effectLst/>
+      </p:bgPr>
+    </p:bg>
+    <p:spTree>
+      <p:nvGrpSpPr>
+        <p:cNvPr id="1" name=""/>
+        <p:cNvGrpSpPr/>
+        <p:nvPr/>
+      </p:nvGrpSpPr>
+      <p:grpSpPr>
+        <a:xfrm>
+          <a:off x="0" y="0"/>
+          <a:ext cx="0" cy="0"/>
+          <a:chOff x="0" y="0"/>
+          <a:chExt cx="0" cy="0"/>
+        </a:xfrm>
+      </p:grpSpPr>
+      <p:pic>
+        <p:nvPicPr>
+          <p:cNvPr id="4" name="Picture 3"/>
+          <p:cNvPicPr>
+            <a:picLocks noChangeAspect="1"/>
+          </p:cNvPicPr>
+          <p:nvPr/>
+        </p:nvPicPr>
+        <p:blipFill>
+          <a:blip r:embed="rId2"/>
+          <a:stretch>
+            <a:fillRect/>
+          </a:stretch>
+        </p:blipFill>
+        <p:spPr>
+          <a:xfrm>
+            <a:off x="285748" y="260336"/>
+            <a:ext cx="11601449" cy="6335005"/>
+          </a:xfrm>
+          <a:prstGeom prst="rect">
+            <a:avLst/>
+          </a:prstGeom>
+        </p:spPr>
+      </p:pic>
+    </p:spTree>
+    <p:extLst>
+      <p:ext uri="{BB962C8B-B14F-4D97-AF65-F5344CB8AC3E}">
+        <p14:creationId xmlns:p14="http://schemas.microsoft.com/office/powerpoint/2010/main" val="535114846"/>
+      </p:ext>
+    </p:extLst>
+  </p:cSld>
+  <p:clrMapOvr>
+    <a:masterClrMapping/>
+  </p:clrMapOvr>
+</p:sld>
+</file>
+
 <file path=ppt/theme/theme1.xml><?xml version="1.0" encoding="utf-8"?>
 <a:theme xmlns:a="http://schemas.openxmlformats.org/drawingml/2006/main" name="Office Theme">
   <a:themeElements>
